--- a/Week06-07/M3_slides/Lab3_2.pptx
+++ b/Week06-07/M3_slides/Lab3_2.pptx
@@ -212,7 +212,7 @@
           <a:p>
             <a:fld id="{242A57BF-453C-4C2F-B486-4751CBBF0453}" type="datetimeFigureOut">
               <a:rPr lang="en-AU" smtClean="0"/>
-              <a:t>1/09/2023</a:t>
+              <a:t>12/09/2023</a:t>
             </a:fld>
             <a:endParaRPr lang="en-AU"/>
           </a:p>
@@ -1152,7 +1152,7 @@
           <a:p>
             <a:fld id="{1205BC88-DBF0-4610-A802-A09E0A6ECD22}" type="datetimeFigureOut">
               <a:rPr lang="en-AU" smtClean="0"/>
-              <a:t>1/09/2023</a:t>
+              <a:t>12/09/2023</a:t>
             </a:fld>
             <a:endParaRPr lang="en-AU"/>
           </a:p>
@@ -1380,7 +1380,7 @@
           <a:p>
             <a:fld id="{1205BC88-DBF0-4610-A802-A09E0A6ECD22}" type="datetimeFigureOut">
               <a:rPr lang="en-AU" smtClean="0"/>
-              <a:t>1/09/2023</a:t>
+              <a:t>12/09/2023</a:t>
             </a:fld>
             <a:endParaRPr lang="en-AU"/>
           </a:p>
@@ -1560,7 +1560,7 @@
           <a:p>
             <a:fld id="{1205BC88-DBF0-4610-A802-A09E0A6ECD22}" type="datetimeFigureOut">
               <a:rPr lang="en-AU" smtClean="0"/>
-              <a:t>1/09/2023</a:t>
+              <a:t>12/09/2023</a:t>
             </a:fld>
             <a:endParaRPr lang="en-AU"/>
           </a:p>
@@ -1730,7 +1730,7 @@
           <a:p>
             <a:fld id="{1205BC88-DBF0-4610-A802-A09E0A6ECD22}" type="datetimeFigureOut">
               <a:rPr lang="en-AU" smtClean="0"/>
-              <a:t>1/09/2023</a:t>
+              <a:t>12/09/2023</a:t>
             </a:fld>
             <a:endParaRPr lang="en-AU"/>
           </a:p>
@@ -1984,7 +1984,7 @@
           <a:p>
             <a:fld id="{1205BC88-DBF0-4610-A802-A09E0A6ECD22}" type="datetimeFigureOut">
               <a:rPr lang="en-AU" smtClean="0"/>
-              <a:t>1/09/2023</a:t>
+              <a:t>12/09/2023</a:t>
             </a:fld>
             <a:endParaRPr lang="en-AU"/>
           </a:p>
@@ -2310,7 +2310,7 @@
           <a:p>
             <a:fld id="{1205BC88-DBF0-4610-A802-A09E0A6ECD22}" type="datetimeFigureOut">
               <a:rPr lang="en-AU" smtClean="0"/>
-              <a:t>1/09/2023</a:t>
+              <a:t>12/09/2023</a:t>
             </a:fld>
             <a:endParaRPr lang="en-AU"/>
           </a:p>
@@ -2761,7 +2761,7 @@
           <a:p>
             <a:fld id="{1205BC88-DBF0-4610-A802-A09E0A6ECD22}" type="datetimeFigureOut">
               <a:rPr lang="en-AU" smtClean="0"/>
-              <a:t>1/09/2023</a:t>
+              <a:t>12/09/2023</a:t>
             </a:fld>
             <a:endParaRPr lang="en-AU"/>
           </a:p>
@@ -2879,7 +2879,7 @@
           <a:p>
             <a:fld id="{1205BC88-DBF0-4610-A802-A09E0A6ECD22}" type="datetimeFigureOut">
               <a:rPr lang="en-AU" smtClean="0"/>
-              <a:t>1/09/2023</a:t>
+              <a:t>12/09/2023</a:t>
             </a:fld>
             <a:endParaRPr lang="en-AU"/>
           </a:p>
@@ -2974,7 +2974,7 @@
           <a:p>
             <a:fld id="{1205BC88-DBF0-4610-A802-A09E0A6ECD22}" type="datetimeFigureOut">
               <a:rPr lang="en-AU" smtClean="0"/>
-              <a:t>1/09/2023</a:t>
+              <a:t>12/09/2023</a:t>
             </a:fld>
             <a:endParaRPr lang="en-AU"/>
           </a:p>
@@ -3261,7 +3261,7 @@
           <a:p>
             <a:fld id="{1205BC88-DBF0-4610-A802-A09E0A6ECD22}" type="datetimeFigureOut">
               <a:rPr lang="en-AU" smtClean="0"/>
-              <a:t>1/09/2023</a:t>
+              <a:t>12/09/2023</a:t>
             </a:fld>
             <a:endParaRPr lang="en-AU"/>
           </a:p>
@@ -3583,7 +3583,7 @@
           <a:p>
             <a:fld id="{1205BC88-DBF0-4610-A802-A09E0A6ECD22}" type="datetimeFigureOut">
               <a:rPr lang="en-AU" smtClean="0"/>
-              <a:t>1/09/2023</a:t>
+              <a:t>12/09/2023</a:t>
             </a:fld>
             <a:endParaRPr lang="en-AU"/>
           </a:p>
@@ -3837,7 +3837,7 @@
           <a:p>
             <a:fld id="{1205BC88-DBF0-4610-A802-A09E0A6ECD22}" type="datetimeFigureOut">
               <a:rPr lang="en-AU" smtClean="0"/>
-              <a:t>1/09/2023</a:t>
+              <a:t>12/09/2023</a:t>
             </a:fld>
             <a:endParaRPr lang="en-AU"/>
           </a:p>
@@ -9241,8 +9241,8 @@
           </a:p>
         </p:txBody>
       </p:sp>
-      <mc:AlternateContent xmlns:mc="http://schemas.openxmlformats.org/markup-compatibility/2006" xmlns:a14="http://schemas.microsoft.com/office/drawing/2010/main">
-        <mc:Choice Requires="a14">
+      <mc:AlternateContent xmlns:mc="http://schemas.openxmlformats.org/markup-compatibility/2006">
+        <mc:Choice xmlns:a14="http://schemas.microsoft.com/office/drawing/2010/main" Requires="a14">
           <p:sp>
             <p:nvSpPr>
               <p:cNvPr id="63" name="TextBox 62">
@@ -9258,7 +9258,7 @@
             <p:spPr>
               <a:xfrm>
                 <a:off x="478180" y="806896"/>
-                <a:ext cx="11527007" cy="5725542"/>
+                <a:ext cx="11527007" cy="5346207"/>
               </a:xfrm>
               <a:prstGeom prst="rect">
                 <a:avLst/>
@@ -9761,29 +9761,30 @@
               <a:p>
                 <a:r>
                   <a:rPr lang="en-US" dirty="0"/>
-                  <a:t>	- If your network is trained on a different raw image size compared to the </a:t>
+                  <a:t>	- If your network is trained on a different image size or your robot has a different camera resolution, 	remember to change “</a:t>
                 </a:r>
                 <a:r>
                   <a:rPr lang="en-US" dirty="0" err="1"/>
-                  <a:t>PenguinPi</a:t>
+                  <a:t>image_width</a:t>
                 </a:r>
                 <a:r>
                   <a:rPr lang="en-US" dirty="0"/>
-                  <a:t> camera resolution 	of 640x480, remember to change line 54 in </a:t>
+                  <a:t>” on line 54 in </a:t>
                 </a:r>
                 <a:r>
                   <a:rPr lang="en-US" i="1" dirty="0"/>
-                  <a:t>TargetPoseEst.py </a:t>
+                  <a:t>TargetPoseEst</a:t>
                 </a:r>
                 <a:r>
-                  <a:rPr lang="en-US" dirty="0"/>
-                  <a:t>so your pixel coordinates align matches 	the image and bounding box</a:t>
+                  <a:rPr lang="en-US" i="1"/>
+                  <a:t>.py</a:t>
                 </a:r>
+                <a:endParaRPr lang="en-US" dirty="0"/>
               </a:p>
             </p:txBody>
           </p:sp>
         </mc:Choice>
-        <mc:Fallback xmlns="">
+        <mc:Fallback>
           <p:sp>
             <p:nvSpPr>
               <p:cNvPr id="63" name="TextBox 62">
@@ -9801,7 +9802,7 @@
             <p:spPr>
               <a:xfrm>
                 <a:off x="478180" y="806896"/>
-                <a:ext cx="11527007" cy="5725542"/>
+                <a:ext cx="11527007" cy="5346207"/>
               </a:xfrm>
               <a:prstGeom prst="rect">
                 <a:avLst/>
@@ -9809,7 +9810,7 @@
               <a:blipFill>
                 <a:blip r:embed="rId3"/>
                 <a:stretch>
-                  <a:fillRect l="-423" t="-532" r="-846" b="-638"/>
+                  <a:fillRect l="-423" t="-570" b="-798"/>
                 </a:stretch>
               </a:blipFill>
             </p:spPr>
@@ -9818,7 +9819,7 @@
               <a:lstStyle/>
               <a:p>
                 <a:r>
-                  <a:rPr lang="en-GB">
+                  <a:rPr lang="en-AU">
                     <a:noFill/>
                   </a:rPr>
                   <a:t> </a:t>
